--- a/Complexity_Buthainah.pptx
+++ b/Complexity_Buthainah.pptx
@@ -295,7 +295,7 @@
                   <c:v>37377.11180555556</c:v>
                 </c:pt>
                 <c:pt idx="31">
-                  <c:v>37409.6798611111</c:v>
+                  <c:v>37409.67986111109</c:v>
                 </c:pt>
                 <c:pt idx="32">
                   <c:v>37438.0451388889</c:v>
@@ -313,7 +313,7 @@
                   <c:v>37561.14930555555</c:v>
                 </c:pt>
                 <c:pt idx="37">
-                  <c:v>37591.72777777777</c:v>
+                  <c:v>37591.72777777776</c:v>
                 </c:pt>
                 <c:pt idx="38">
                   <c:v>37622.48611111111</c:v>
@@ -361,7 +361,7 @@
                   <c:v>38047.45208333333</c:v>
                 </c:pt>
                 <c:pt idx="53">
-                  <c:v>38079.76180555555</c:v>
+                  <c:v>38079.76180555554</c:v>
                 </c:pt>
                 <c:pt idx="54">
                   <c:v>38110.76527777778</c:v>
@@ -370,7 +370,7 @@
                   <c:v>38139.37916666667</c:v>
                 </c:pt>
                 <c:pt idx="56">
-                  <c:v>38171.35069444445</c:v>
+                  <c:v>38171.35069444446</c:v>
                 </c:pt>
                 <c:pt idx="57">
                   <c:v>38201.55</c:v>
@@ -403,7 +403,7 @@
                   <c:v>38475.65347222222</c:v>
                 </c:pt>
                 <c:pt idx="67">
-                  <c:v>38504.04166666665</c:v>
+                  <c:v>38504.04166666664</c:v>
                 </c:pt>
                 <c:pt idx="68">
                   <c:v>38534.65208333333</c:v>
@@ -412,7 +412,7 @@
                   <c:v>38565.34097222222</c:v>
                 </c:pt>
                 <c:pt idx="70">
-                  <c:v>38596.3298611111</c:v>
+                  <c:v>38596.32986111109</c:v>
                 </c:pt>
                 <c:pt idx="71">
                   <c:v>38627.43888888888</c:v>
@@ -451,7 +451,7 @@
                   <c:v>38964.29722222222</c:v>
                 </c:pt>
                 <c:pt idx="83">
-                  <c:v>38992.12916666666</c:v>
+                  <c:v>38992.12916666664</c:v>
                 </c:pt>
                 <c:pt idx="84">
                   <c:v>39022.33472222222</c:v>
@@ -478,7 +478,7 @@
                   <c:v>39234.49305555555</c:v>
                 </c:pt>
                 <c:pt idx="92">
-                  <c:v>39266.5923611111</c:v>
+                  <c:v>39266.59236111109</c:v>
                 </c:pt>
                 <c:pt idx="93">
                   <c:v>39295.34722222222</c:v>
@@ -505,13 +505,13 @@
                   <c:v>39509.20694444444</c:v>
                 </c:pt>
                 <c:pt idx="101">
-                  <c:v>39540.7048611111</c:v>
+                  <c:v>39540.70486111109</c:v>
                 </c:pt>
                 <c:pt idx="102">
-                  <c:v>39569.5923611111</c:v>
+                  <c:v>39569.59236111109</c:v>
                 </c:pt>
                 <c:pt idx="103">
-                  <c:v>39602.45069444445</c:v>
+                  <c:v>39602.45069444446</c:v>
                 </c:pt>
                 <c:pt idx="104">
                   <c:v>39633.2875</c:v>
@@ -520,7 +520,7 @@
                   <c:v>39664.37013888888</c:v>
                 </c:pt>
                 <c:pt idx="106">
-                  <c:v>39693.7923611111</c:v>
+                  <c:v>39693.79236111109</c:v>
                 </c:pt>
                 <c:pt idx="107">
                   <c:v>39729.39722222222</c:v>
@@ -1160,7 +1160,7 @@
                   <c:v>37377.11180555556</c:v>
                 </c:pt>
                 <c:pt idx="31">
-                  <c:v>37409.6798611111</c:v>
+                  <c:v>37409.67986111109</c:v>
                 </c:pt>
                 <c:pt idx="32">
                   <c:v>37438.0451388889</c:v>
@@ -1178,7 +1178,7 @@
                   <c:v>37561.14930555555</c:v>
                 </c:pt>
                 <c:pt idx="37">
-                  <c:v>37591.72777777777</c:v>
+                  <c:v>37591.72777777776</c:v>
                 </c:pt>
                 <c:pt idx="38">
                   <c:v>37622.48611111111</c:v>
@@ -1226,7 +1226,7 @@
                   <c:v>38047.45208333333</c:v>
                 </c:pt>
                 <c:pt idx="53">
-                  <c:v>38079.76180555555</c:v>
+                  <c:v>38079.76180555554</c:v>
                 </c:pt>
                 <c:pt idx="54">
                   <c:v>38110.76527777778</c:v>
@@ -1235,7 +1235,7 @@
                   <c:v>38139.37916666667</c:v>
                 </c:pt>
                 <c:pt idx="56">
-                  <c:v>38171.35069444445</c:v>
+                  <c:v>38171.35069444446</c:v>
                 </c:pt>
                 <c:pt idx="57">
                   <c:v>38201.55</c:v>
@@ -1268,7 +1268,7 @@
                   <c:v>38475.65347222222</c:v>
                 </c:pt>
                 <c:pt idx="67">
-                  <c:v>38504.04166666665</c:v>
+                  <c:v>38504.04166666664</c:v>
                 </c:pt>
                 <c:pt idx="68">
                   <c:v>38534.65208333333</c:v>
@@ -1277,7 +1277,7 @@
                   <c:v>38565.34097222222</c:v>
                 </c:pt>
                 <c:pt idx="70">
-                  <c:v>38596.3298611111</c:v>
+                  <c:v>38596.32986111109</c:v>
                 </c:pt>
                 <c:pt idx="71">
                   <c:v>38627.43888888888</c:v>
@@ -1316,7 +1316,7 @@
                   <c:v>38964.29722222222</c:v>
                 </c:pt>
                 <c:pt idx="83">
-                  <c:v>38992.12916666666</c:v>
+                  <c:v>38992.12916666664</c:v>
                 </c:pt>
                 <c:pt idx="84">
                   <c:v>39022.33472222222</c:v>
@@ -1343,7 +1343,7 @@
                   <c:v>39234.49305555555</c:v>
                 </c:pt>
                 <c:pt idx="92">
-                  <c:v>39266.5923611111</c:v>
+                  <c:v>39266.59236111109</c:v>
                 </c:pt>
                 <c:pt idx="93">
                   <c:v>39295.34722222222</c:v>
@@ -1370,13 +1370,13 @@
                   <c:v>39509.20694444444</c:v>
                 </c:pt>
                 <c:pt idx="101">
-                  <c:v>39540.7048611111</c:v>
+                  <c:v>39540.70486111109</c:v>
                 </c:pt>
                 <c:pt idx="102">
-                  <c:v>39569.5923611111</c:v>
+                  <c:v>39569.59236111109</c:v>
                 </c:pt>
                 <c:pt idx="103">
-                  <c:v>39602.45069444445</c:v>
+                  <c:v>39602.45069444446</c:v>
                 </c:pt>
                 <c:pt idx="104">
                   <c:v>39633.2875</c:v>
@@ -1385,7 +1385,7 @@
                   <c:v>39664.37013888888</c:v>
                 </c:pt>
                 <c:pt idx="106">
-                  <c:v>39693.7923611111</c:v>
+                  <c:v>39693.79236111109</c:v>
                 </c:pt>
                 <c:pt idx="107">
                   <c:v>39729.39722222222</c:v>
@@ -2025,7 +2025,7 @@
                   <c:v>37377.11180555556</c:v>
                 </c:pt>
                 <c:pt idx="31">
-                  <c:v>37409.6798611111</c:v>
+                  <c:v>37409.67986111109</c:v>
                 </c:pt>
                 <c:pt idx="32">
                   <c:v>37438.0451388889</c:v>
@@ -2043,7 +2043,7 @@
                   <c:v>37561.14930555555</c:v>
                 </c:pt>
                 <c:pt idx="37">
-                  <c:v>37591.72777777777</c:v>
+                  <c:v>37591.72777777776</c:v>
                 </c:pt>
                 <c:pt idx="38">
                   <c:v>37622.48611111111</c:v>
@@ -2091,7 +2091,7 @@
                   <c:v>38047.45208333333</c:v>
                 </c:pt>
                 <c:pt idx="53">
-                  <c:v>38079.76180555555</c:v>
+                  <c:v>38079.76180555554</c:v>
                 </c:pt>
                 <c:pt idx="54">
                   <c:v>38110.76527777778</c:v>
@@ -2100,7 +2100,7 @@
                   <c:v>38139.37916666667</c:v>
                 </c:pt>
                 <c:pt idx="56">
-                  <c:v>38171.35069444445</c:v>
+                  <c:v>38171.35069444446</c:v>
                 </c:pt>
                 <c:pt idx="57">
                   <c:v>38201.55</c:v>
@@ -2133,7 +2133,7 @@
                   <c:v>38475.65347222222</c:v>
                 </c:pt>
                 <c:pt idx="67">
-                  <c:v>38504.04166666665</c:v>
+                  <c:v>38504.04166666664</c:v>
                 </c:pt>
                 <c:pt idx="68">
                   <c:v>38534.65208333333</c:v>
@@ -2142,7 +2142,7 @@
                   <c:v>38565.34097222222</c:v>
                 </c:pt>
                 <c:pt idx="70">
-                  <c:v>38596.3298611111</c:v>
+                  <c:v>38596.32986111109</c:v>
                 </c:pt>
                 <c:pt idx="71">
                   <c:v>38627.43888888888</c:v>
@@ -2181,7 +2181,7 @@
                   <c:v>38964.29722222222</c:v>
                 </c:pt>
                 <c:pt idx="83">
-                  <c:v>38992.12916666666</c:v>
+                  <c:v>38992.12916666664</c:v>
                 </c:pt>
                 <c:pt idx="84">
                   <c:v>39022.33472222222</c:v>
@@ -2208,7 +2208,7 @@
                   <c:v>39234.49305555555</c:v>
                 </c:pt>
                 <c:pt idx="92">
-                  <c:v>39266.5923611111</c:v>
+                  <c:v>39266.59236111109</c:v>
                 </c:pt>
                 <c:pt idx="93">
                   <c:v>39295.34722222222</c:v>
@@ -2235,13 +2235,13 @@
                   <c:v>39509.20694444444</c:v>
                 </c:pt>
                 <c:pt idx="101">
-                  <c:v>39540.7048611111</c:v>
+                  <c:v>39540.70486111109</c:v>
                 </c:pt>
                 <c:pt idx="102">
-                  <c:v>39569.5923611111</c:v>
+                  <c:v>39569.59236111109</c:v>
                 </c:pt>
                 <c:pt idx="103">
-                  <c:v>39602.45069444445</c:v>
+                  <c:v>39602.45069444446</c:v>
                 </c:pt>
                 <c:pt idx="104">
                   <c:v>39633.2875</c:v>
@@ -2250,7 +2250,7 @@
                   <c:v>39664.37013888888</c:v>
                 </c:pt>
                 <c:pt idx="106">
-                  <c:v>39693.7923611111</c:v>
+                  <c:v>39693.79236111109</c:v>
                 </c:pt>
                 <c:pt idx="107">
                   <c:v>39729.39722222222</c:v>
@@ -2783,11 +2783,11 @@
         </c:dLbls>
         <c:marker val="1"/>
         <c:smooth val="0"/>
-        <c:axId val="-2033353912"/>
-        <c:axId val="-2033350872"/>
+        <c:axId val="-2012412232"/>
+        <c:axId val="-2012409784"/>
       </c:lineChart>
       <c:dateAx>
-        <c:axId val="-2033353912"/>
+        <c:axId val="-2012412232"/>
         <c:scaling>
           <c:orientation val="minMax"/>
         </c:scaling>
@@ -2797,14 +2797,14 @@
         <c:majorTickMark val="out"/>
         <c:minorTickMark val="none"/>
         <c:tickLblPos val="nextTo"/>
-        <c:crossAx val="-2033350872"/>
+        <c:crossAx val="-2012409784"/>
         <c:crosses val="autoZero"/>
         <c:auto val="1"/>
         <c:lblOffset val="100"/>
         <c:baseTimeUnit val="days"/>
       </c:dateAx>
       <c:valAx>
-        <c:axId val="-2033350872"/>
+        <c:axId val="-2012409784"/>
         <c:scaling>
           <c:logBase val="10.0"/>
           <c:orientation val="minMax"/>
@@ -2816,7 +2816,7 @@
         <c:majorTickMark val="out"/>
         <c:minorTickMark val="none"/>
         <c:tickLblPos val="nextTo"/>
-        <c:crossAx val="-2033353912"/>
+        <c:crossAx val="-2012412232"/>
         <c:crosses val="autoZero"/>
         <c:crossBetween val="between"/>
       </c:valAx>
@@ -2992,7 +2992,7 @@
                   <c:v>37377.11180555556</c:v>
                 </c:pt>
                 <c:pt idx="31">
-                  <c:v>37409.6798611111</c:v>
+                  <c:v>37409.67986111109</c:v>
                 </c:pt>
                 <c:pt idx="32">
                   <c:v>37438.0451388889</c:v>
@@ -3010,7 +3010,7 @@
                   <c:v>37561.14930555555</c:v>
                 </c:pt>
                 <c:pt idx="37">
-                  <c:v>37591.72777777777</c:v>
+                  <c:v>37591.72777777776</c:v>
                 </c:pt>
                 <c:pt idx="38">
                   <c:v>37622.48611111111</c:v>
@@ -3058,7 +3058,7 @@
                   <c:v>38047.45208333333</c:v>
                 </c:pt>
                 <c:pt idx="53">
-                  <c:v>38079.76180555555</c:v>
+                  <c:v>38079.76180555554</c:v>
                 </c:pt>
                 <c:pt idx="54">
                   <c:v>38110.76527777778</c:v>
@@ -3067,7 +3067,7 @@
                   <c:v>38139.37916666667</c:v>
                 </c:pt>
                 <c:pt idx="56">
-                  <c:v>38171.35069444445</c:v>
+                  <c:v>38171.35069444446</c:v>
                 </c:pt>
                 <c:pt idx="57">
                   <c:v>38201.55</c:v>
@@ -3100,7 +3100,7 @@
                   <c:v>38475.65347222222</c:v>
                 </c:pt>
                 <c:pt idx="67">
-                  <c:v>38504.04166666665</c:v>
+                  <c:v>38504.04166666664</c:v>
                 </c:pt>
                 <c:pt idx="68">
                   <c:v>38534.65208333333</c:v>
@@ -3109,7 +3109,7 @@
                   <c:v>38565.34097222222</c:v>
                 </c:pt>
                 <c:pt idx="70">
-                  <c:v>38596.3298611111</c:v>
+                  <c:v>38596.32986111109</c:v>
                 </c:pt>
                 <c:pt idx="71">
                   <c:v>38627.43888888888</c:v>
@@ -3148,7 +3148,7 @@
                   <c:v>38964.29722222222</c:v>
                 </c:pt>
                 <c:pt idx="83">
-                  <c:v>38992.12916666666</c:v>
+                  <c:v>38992.12916666664</c:v>
                 </c:pt>
                 <c:pt idx="84">
                   <c:v>39022.33472222222</c:v>
@@ -3175,7 +3175,7 @@
                   <c:v>39234.49305555555</c:v>
                 </c:pt>
                 <c:pt idx="92">
-                  <c:v>39266.5923611111</c:v>
+                  <c:v>39266.59236111109</c:v>
                 </c:pt>
                 <c:pt idx="93">
                   <c:v>39295.34722222222</c:v>
@@ -3202,13 +3202,13 @@
                   <c:v>39509.20694444444</c:v>
                 </c:pt>
                 <c:pt idx="101">
-                  <c:v>39540.7048611111</c:v>
+                  <c:v>39540.70486111109</c:v>
                 </c:pt>
                 <c:pt idx="102">
-                  <c:v>39569.5923611111</c:v>
+                  <c:v>39569.59236111109</c:v>
                 </c:pt>
                 <c:pt idx="103">
-                  <c:v>39602.45069444445</c:v>
+                  <c:v>39602.45069444446</c:v>
                 </c:pt>
                 <c:pt idx="104">
                   <c:v>39633.2875</c:v>
@@ -3217,7 +3217,7 @@
                   <c:v>39664.37013888888</c:v>
                 </c:pt>
                 <c:pt idx="106">
-                  <c:v>39693.7923611111</c:v>
+                  <c:v>39693.79236111109</c:v>
                 </c:pt>
                 <c:pt idx="107">
                   <c:v>39729.39722222222</c:v>
@@ -3857,7 +3857,7 @@
                   <c:v>37377.11180555556</c:v>
                 </c:pt>
                 <c:pt idx="31">
-                  <c:v>37409.6798611111</c:v>
+                  <c:v>37409.67986111109</c:v>
                 </c:pt>
                 <c:pt idx="32">
                   <c:v>37438.0451388889</c:v>
@@ -3875,7 +3875,7 @@
                   <c:v>37561.14930555555</c:v>
                 </c:pt>
                 <c:pt idx="37">
-                  <c:v>37591.72777777777</c:v>
+                  <c:v>37591.72777777776</c:v>
                 </c:pt>
                 <c:pt idx="38">
                   <c:v>37622.48611111111</c:v>
@@ -3923,7 +3923,7 @@
                   <c:v>38047.45208333333</c:v>
                 </c:pt>
                 <c:pt idx="53">
-                  <c:v>38079.76180555555</c:v>
+                  <c:v>38079.76180555554</c:v>
                 </c:pt>
                 <c:pt idx="54">
                   <c:v>38110.76527777778</c:v>
@@ -3932,7 +3932,7 @@
                   <c:v>38139.37916666667</c:v>
                 </c:pt>
                 <c:pt idx="56">
-                  <c:v>38171.35069444445</c:v>
+                  <c:v>38171.35069444446</c:v>
                 </c:pt>
                 <c:pt idx="57">
                   <c:v>38201.55</c:v>
@@ -3965,7 +3965,7 @@
                   <c:v>38475.65347222222</c:v>
                 </c:pt>
                 <c:pt idx="67">
-                  <c:v>38504.04166666665</c:v>
+                  <c:v>38504.04166666664</c:v>
                 </c:pt>
                 <c:pt idx="68">
                   <c:v>38534.65208333333</c:v>
@@ -3974,7 +3974,7 @@
                   <c:v>38565.34097222222</c:v>
                 </c:pt>
                 <c:pt idx="70">
-                  <c:v>38596.3298611111</c:v>
+                  <c:v>38596.32986111109</c:v>
                 </c:pt>
                 <c:pt idx="71">
                   <c:v>38627.43888888888</c:v>
@@ -4013,7 +4013,7 @@
                   <c:v>38964.29722222222</c:v>
                 </c:pt>
                 <c:pt idx="83">
-                  <c:v>38992.12916666666</c:v>
+                  <c:v>38992.12916666664</c:v>
                 </c:pt>
                 <c:pt idx="84">
                   <c:v>39022.33472222222</c:v>
@@ -4040,7 +4040,7 @@
                   <c:v>39234.49305555555</c:v>
                 </c:pt>
                 <c:pt idx="92">
-                  <c:v>39266.5923611111</c:v>
+                  <c:v>39266.59236111109</c:v>
                 </c:pt>
                 <c:pt idx="93">
                   <c:v>39295.34722222222</c:v>
@@ -4067,13 +4067,13 @@
                   <c:v>39509.20694444444</c:v>
                 </c:pt>
                 <c:pt idx="101">
-                  <c:v>39540.7048611111</c:v>
+                  <c:v>39540.70486111109</c:v>
                 </c:pt>
                 <c:pt idx="102">
-                  <c:v>39569.5923611111</c:v>
+                  <c:v>39569.59236111109</c:v>
                 </c:pt>
                 <c:pt idx="103">
-                  <c:v>39602.45069444445</c:v>
+                  <c:v>39602.45069444446</c:v>
                 </c:pt>
                 <c:pt idx="104">
                   <c:v>39633.2875</c:v>
@@ -4082,7 +4082,7 @@
                   <c:v>39664.37013888888</c:v>
                 </c:pt>
                 <c:pt idx="106">
-                  <c:v>39693.7923611111</c:v>
+                  <c:v>39693.79236111109</c:v>
                 </c:pt>
                 <c:pt idx="107">
                   <c:v>39729.39722222222</c:v>
@@ -4722,7 +4722,7 @@
                   <c:v>37377.11180555556</c:v>
                 </c:pt>
                 <c:pt idx="31">
-                  <c:v>37409.6798611111</c:v>
+                  <c:v>37409.67986111109</c:v>
                 </c:pt>
                 <c:pt idx="32">
                   <c:v>37438.0451388889</c:v>
@@ -4740,7 +4740,7 @@
                   <c:v>37561.14930555555</c:v>
                 </c:pt>
                 <c:pt idx="37">
-                  <c:v>37591.72777777777</c:v>
+                  <c:v>37591.72777777776</c:v>
                 </c:pt>
                 <c:pt idx="38">
                   <c:v>37622.48611111111</c:v>
@@ -4788,7 +4788,7 @@
                   <c:v>38047.45208333333</c:v>
                 </c:pt>
                 <c:pt idx="53">
-                  <c:v>38079.76180555555</c:v>
+                  <c:v>38079.76180555554</c:v>
                 </c:pt>
                 <c:pt idx="54">
                   <c:v>38110.76527777778</c:v>
@@ -4797,7 +4797,7 @@
                   <c:v>38139.37916666667</c:v>
                 </c:pt>
                 <c:pt idx="56">
-                  <c:v>38171.35069444445</c:v>
+                  <c:v>38171.35069444446</c:v>
                 </c:pt>
                 <c:pt idx="57">
                   <c:v>38201.55</c:v>
@@ -4830,7 +4830,7 @@
                   <c:v>38475.65347222222</c:v>
                 </c:pt>
                 <c:pt idx="67">
-                  <c:v>38504.04166666665</c:v>
+                  <c:v>38504.04166666664</c:v>
                 </c:pt>
                 <c:pt idx="68">
                   <c:v>38534.65208333333</c:v>
@@ -4839,7 +4839,7 @@
                   <c:v>38565.34097222222</c:v>
                 </c:pt>
                 <c:pt idx="70">
-                  <c:v>38596.3298611111</c:v>
+                  <c:v>38596.32986111109</c:v>
                 </c:pt>
                 <c:pt idx="71">
                   <c:v>38627.43888888888</c:v>
@@ -4878,7 +4878,7 @@
                   <c:v>38964.29722222222</c:v>
                 </c:pt>
                 <c:pt idx="83">
-                  <c:v>38992.12916666666</c:v>
+                  <c:v>38992.12916666664</c:v>
                 </c:pt>
                 <c:pt idx="84">
                   <c:v>39022.33472222222</c:v>
@@ -4905,7 +4905,7 @@
                   <c:v>39234.49305555555</c:v>
                 </c:pt>
                 <c:pt idx="92">
-                  <c:v>39266.5923611111</c:v>
+                  <c:v>39266.59236111109</c:v>
                 </c:pt>
                 <c:pt idx="93">
                   <c:v>39295.34722222222</c:v>
@@ -4932,13 +4932,13 @@
                   <c:v>39509.20694444444</c:v>
                 </c:pt>
                 <c:pt idx="101">
-                  <c:v>39540.7048611111</c:v>
+                  <c:v>39540.70486111109</c:v>
                 </c:pt>
                 <c:pt idx="102">
-                  <c:v>39569.5923611111</c:v>
+                  <c:v>39569.59236111109</c:v>
                 </c:pt>
                 <c:pt idx="103">
-                  <c:v>39602.45069444445</c:v>
+                  <c:v>39602.45069444446</c:v>
                 </c:pt>
                 <c:pt idx="104">
                   <c:v>39633.2875</c:v>
@@ -4947,7 +4947,7 @@
                   <c:v>39664.37013888888</c:v>
                 </c:pt>
                 <c:pt idx="106">
-                  <c:v>39693.7923611111</c:v>
+                  <c:v>39693.79236111109</c:v>
                 </c:pt>
                 <c:pt idx="107">
                   <c:v>39729.39722222222</c:v>
@@ -5480,11 +5480,11 @@
         </c:dLbls>
         <c:marker val="1"/>
         <c:smooth val="0"/>
-        <c:axId val="-2033553544"/>
-        <c:axId val="-2033550536"/>
+        <c:axId val="-2012355256"/>
+        <c:axId val="-2012352248"/>
       </c:lineChart>
       <c:dateAx>
-        <c:axId val="-2033553544"/>
+        <c:axId val="-2012355256"/>
         <c:scaling>
           <c:orientation val="minMax"/>
         </c:scaling>
@@ -5494,14 +5494,14 @@
         <c:majorTickMark val="out"/>
         <c:minorTickMark val="none"/>
         <c:tickLblPos val="nextTo"/>
-        <c:crossAx val="-2033550536"/>
+        <c:crossAx val="-2012352248"/>
         <c:crosses val="autoZero"/>
         <c:auto val="1"/>
         <c:lblOffset val="100"/>
         <c:baseTimeUnit val="days"/>
       </c:dateAx>
       <c:valAx>
-        <c:axId val="-2033550536"/>
+        <c:axId val="-2012352248"/>
         <c:scaling>
           <c:orientation val="minMax"/>
         </c:scaling>
@@ -5512,7 +5512,7 @@
         <c:majorTickMark val="out"/>
         <c:minorTickMark val="none"/>
         <c:tickLblPos val="nextTo"/>
-        <c:crossAx val="-2033553544"/>
+        <c:crossAx val="-2012355256"/>
         <c:crosses val="autoZero"/>
         <c:crossBetween val="between"/>
       </c:valAx>
@@ -5693,7 +5693,7 @@
                   <c:v>37377.11180555556</c:v>
                 </c:pt>
                 <c:pt idx="31">
-                  <c:v>37409.6798611111</c:v>
+                  <c:v>37409.67986111109</c:v>
                 </c:pt>
                 <c:pt idx="32">
                   <c:v>37438.0451388889</c:v>
@@ -5711,7 +5711,7 @@
                   <c:v>37561.14930555555</c:v>
                 </c:pt>
                 <c:pt idx="37">
-                  <c:v>37591.72777777777</c:v>
+                  <c:v>37591.72777777776</c:v>
                 </c:pt>
                 <c:pt idx="38">
                   <c:v>37622.48611111111</c:v>
@@ -5759,7 +5759,7 @@
                   <c:v>38047.45208333333</c:v>
                 </c:pt>
                 <c:pt idx="53">
-                  <c:v>38079.76180555555</c:v>
+                  <c:v>38079.76180555554</c:v>
                 </c:pt>
                 <c:pt idx="54">
                   <c:v>38110.76527777778</c:v>
@@ -5768,7 +5768,7 @@
                   <c:v>38139.37916666667</c:v>
                 </c:pt>
                 <c:pt idx="56">
-                  <c:v>38171.35069444445</c:v>
+                  <c:v>38171.35069444446</c:v>
                 </c:pt>
                 <c:pt idx="57">
                   <c:v>38201.55</c:v>
@@ -5801,7 +5801,7 @@
                   <c:v>38475.65347222222</c:v>
                 </c:pt>
                 <c:pt idx="67">
-                  <c:v>38504.04166666665</c:v>
+                  <c:v>38504.04166666664</c:v>
                 </c:pt>
                 <c:pt idx="68">
                   <c:v>38534.65208333333</c:v>
@@ -5810,7 +5810,7 @@
                   <c:v>38565.34097222222</c:v>
                 </c:pt>
                 <c:pt idx="70">
-                  <c:v>38596.3298611111</c:v>
+                  <c:v>38596.32986111109</c:v>
                 </c:pt>
                 <c:pt idx="71">
                   <c:v>38627.43888888888</c:v>
@@ -5849,7 +5849,7 @@
                   <c:v>38964.29722222222</c:v>
                 </c:pt>
                 <c:pt idx="83">
-                  <c:v>38992.12916666666</c:v>
+                  <c:v>38992.12916666664</c:v>
                 </c:pt>
                 <c:pt idx="84">
                   <c:v>39022.33472222222</c:v>
@@ -5876,7 +5876,7 @@
                   <c:v>39234.49305555555</c:v>
                 </c:pt>
                 <c:pt idx="92">
-                  <c:v>39266.5923611111</c:v>
+                  <c:v>39266.59236111109</c:v>
                 </c:pt>
                 <c:pt idx="93">
                   <c:v>39295.34722222222</c:v>
@@ -5903,13 +5903,13 @@
                   <c:v>39509.20694444444</c:v>
                 </c:pt>
                 <c:pt idx="101">
-                  <c:v>39540.7048611111</c:v>
+                  <c:v>39540.70486111109</c:v>
                 </c:pt>
                 <c:pt idx="102">
-                  <c:v>39569.5923611111</c:v>
+                  <c:v>39569.59236111109</c:v>
                 </c:pt>
                 <c:pt idx="103">
-                  <c:v>39602.45069444445</c:v>
+                  <c:v>39602.45069444446</c:v>
                 </c:pt>
                 <c:pt idx="104">
                   <c:v>39633.2875</c:v>
@@ -5918,7 +5918,7 @@
                   <c:v>39664.37013888888</c:v>
                 </c:pt>
                 <c:pt idx="106">
-                  <c:v>39693.7923611111</c:v>
+                  <c:v>39693.79236111109</c:v>
                 </c:pt>
                 <c:pt idx="107">
                   <c:v>39729.39722222222</c:v>
@@ -6558,7 +6558,7 @@
                   <c:v>37377.11180555556</c:v>
                 </c:pt>
                 <c:pt idx="31">
-                  <c:v>37409.6798611111</c:v>
+                  <c:v>37409.67986111109</c:v>
                 </c:pt>
                 <c:pt idx="32">
                   <c:v>37438.0451388889</c:v>
@@ -6576,7 +6576,7 @@
                   <c:v>37561.14930555555</c:v>
                 </c:pt>
                 <c:pt idx="37">
-                  <c:v>37591.72777777777</c:v>
+                  <c:v>37591.72777777776</c:v>
                 </c:pt>
                 <c:pt idx="38">
                   <c:v>37622.48611111111</c:v>
@@ -6624,7 +6624,7 @@
                   <c:v>38047.45208333333</c:v>
                 </c:pt>
                 <c:pt idx="53">
-                  <c:v>38079.76180555555</c:v>
+                  <c:v>38079.76180555554</c:v>
                 </c:pt>
                 <c:pt idx="54">
                   <c:v>38110.76527777778</c:v>
@@ -6633,7 +6633,7 @@
                   <c:v>38139.37916666667</c:v>
                 </c:pt>
                 <c:pt idx="56">
-                  <c:v>38171.35069444445</c:v>
+                  <c:v>38171.35069444446</c:v>
                 </c:pt>
                 <c:pt idx="57">
                   <c:v>38201.55</c:v>
@@ -6666,7 +6666,7 @@
                   <c:v>38475.65347222222</c:v>
                 </c:pt>
                 <c:pt idx="67">
-                  <c:v>38504.04166666665</c:v>
+                  <c:v>38504.04166666664</c:v>
                 </c:pt>
                 <c:pt idx="68">
                   <c:v>38534.65208333333</c:v>
@@ -6675,7 +6675,7 @@
                   <c:v>38565.34097222222</c:v>
                 </c:pt>
                 <c:pt idx="70">
-                  <c:v>38596.3298611111</c:v>
+                  <c:v>38596.32986111109</c:v>
                 </c:pt>
                 <c:pt idx="71">
                   <c:v>38627.43888888888</c:v>
@@ -6714,7 +6714,7 @@
                   <c:v>38964.29722222222</c:v>
                 </c:pt>
                 <c:pt idx="83">
-                  <c:v>38992.12916666666</c:v>
+                  <c:v>38992.12916666664</c:v>
                 </c:pt>
                 <c:pt idx="84">
                   <c:v>39022.33472222222</c:v>
@@ -6741,7 +6741,7 @@
                   <c:v>39234.49305555555</c:v>
                 </c:pt>
                 <c:pt idx="92">
-                  <c:v>39266.5923611111</c:v>
+                  <c:v>39266.59236111109</c:v>
                 </c:pt>
                 <c:pt idx="93">
                   <c:v>39295.34722222222</c:v>
@@ -6768,13 +6768,13 @@
                   <c:v>39509.20694444444</c:v>
                 </c:pt>
                 <c:pt idx="101">
-                  <c:v>39540.7048611111</c:v>
+                  <c:v>39540.70486111109</c:v>
                 </c:pt>
                 <c:pt idx="102">
-                  <c:v>39569.5923611111</c:v>
+                  <c:v>39569.59236111109</c:v>
                 </c:pt>
                 <c:pt idx="103">
-                  <c:v>39602.45069444445</c:v>
+                  <c:v>39602.45069444446</c:v>
                 </c:pt>
                 <c:pt idx="104">
                   <c:v>39633.2875</c:v>
@@ -6783,7 +6783,7 @@
                   <c:v>39664.37013888888</c:v>
                 </c:pt>
                 <c:pt idx="106">
-                  <c:v>39693.7923611111</c:v>
+                  <c:v>39693.79236111109</c:v>
                 </c:pt>
                 <c:pt idx="107">
                   <c:v>39729.39722222222</c:v>
@@ -7316,11 +7316,11 @@
         </c:dLbls>
         <c:marker val="1"/>
         <c:smooth val="0"/>
-        <c:axId val="-2041306872"/>
-        <c:axId val="-2034082600"/>
+        <c:axId val="-2012393128"/>
+        <c:axId val="-2012390120"/>
       </c:lineChart>
       <c:dateAx>
-        <c:axId val="-2041306872"/>
+        <c:axId val="-2012393128"/>
         <c:scaling>
           <c:orientation val="minMax"/>
         </c:scaling>
@@ -7330,14 +7330,14 @@
         <c:majorTickMark val="out"/>
         <c:minorTickMark val="none"/>
         <c:tickLblPos val="nextTo"/>
-        <c:crossAx val="-2034082600"/>
+        <c:crossAx val="-2012390120"/>
         <c:crosses val="autoZero"/>
         <c:auto val="1"/>
         <c:lblOffset val="100"/>
         <c:baseTimeUnit val="days"/>
       </c:dateAx>
       <c:valAx>
-        <c:axId val="-2034082600"/>
+        <c:axId val="-2012390120"/>
         <c:scaling>
           <c:orientation val="minMax"/>
         </c:scaling>
@@ -7348,7 +7348,7 @@
         <c:majorTickMark val="out"/>
         <c:minorTickMark val="none"/>
         <c:tickLblPos val="nextTo"/>
-        <c:crossAx val="-2041306872"/>
+        <c:crossAx val="-2012393128"/>
         <c:crosses val="autoZero"/>
         <c:crossBetween val="between"/>
       </c:valAx>
@@ -7450,7 +7450,7 @@
           <a:p>
             <a:fld id="{36BE75FC-CBFE-1647-936E-0FAEDC1F115F}" type="datetimeFigureOut">
               <a:rPr lang="en-US" smtClean="0"/>
-              <a:t>13-12-05</a:t>
+              <a:t>13-12-06</a:t>
             </a:fld>
             <a:endParaRPr lang="en-US"/>
           </a:p>
@@ -7616,7 +7616,7 @@
           <a:p>
             <a:fld id="{D6FEC89D-E8F1-8C47-B3F1-766CBCEA6003}" type="datetimeFigureOut">
               <a:rPr lang="en-US" smtClean="0"/>
-              <a:t>13-12-05</a:t>
+              <a:t>13-12-06</a:t>
             </a:fld>
             <a:endParaRPr lang="en-US"/>
           </a:p>
@@ -8321,7 +8321,7 @@
           <a:p>
             <a:fld id="{59B64782-E8A9-1F41-91B4-46930899A3AF}" type="datetime1">
               <a:rPr lang="en-CA" smtClean="0"/>
-              <a:t>13-12-05</a:t>
+              <a:t>13-12-06</a:t>
             </a:fld>
             <a:endParaRPr lang="en-US"/>
           </a:p>
@@ -8932,7 +8932,7 @@
           <a:p>
             <a:fld id="{8E0BC0BF-4505-AF4F-AFE5-3378DF45B23F}" type="datetime1">
               <a:rPr lang="en-CA" smtClean="0"/>
-              <a:t>13-12-05</a:t>
+              <a:t>13-12-06</a:t>
             </a:fld>
             <a:endParaRPr lang="en-US"/>
           </a:p>
@@ -9504,7 +9504,7 @@
           <a:p>
             <a:fld id="{2EF98E72-AB36-D64A-9B52-23DC6E120B02}" type="datetime1">
               <a:rPr lang="en-CA" smtClean="0"/>
-              <a:t>13-12-05</a:t>
+              <a:t>13-12-06</a:t>
             </a:fld>
             <a:endParaRPr lang="en-US"/>
           </a:p>
@@ -10038,7 +10038,7 @@
           <a:p>
             <a:fld id="{A5EF3E22-FE16-064C-B2C9-FADCE0C6D231}" type="datetime1">
               <a:rPr lang="en-CA" smtClean="0"/>
-              <a:t>13-12-05</a:t>
+              <a:t>13-12-06</a:t>
             </a:fld>
             <a:endParaRPr lang="en-US"/>
           </a:p>
@@ -10440,7 +10440,7 @@
           <a:p>
             <a:fld id="{3071DDC7-FD0B-9748-8028-32821F5E8659}" type="datetime1">
               <a:rPr lang="en-CA" smtClean="0"/>
-              <a:t>13-12-05</a:t>
+              <a:t>13-12-06</a:t>
             </a:fld>
             <a:endParaRPr lang="en-US"/>
           </a:p>
@@ -10873,7 +10873,7 @@
           <a:p>
             <a:fld id="{D61883F6-728E-E440-B23B-B8F77889544E}" type="datetime1">
               <a:rPr lang="en-CA" smtClean="0"/>
-              <a:t>13-12-05</a:t>
+              <a:t>13-12-06</a:t>
             </a:fld>
             <a:endParaRPr lang="en-US"/>
           </a:p>
@@ -11275,7 +11275,7 @@
           <a:p>
             <a:fld id="{794822E2-5E87-8744-A36C-4A17B645A05B}" type="datetime1">
               <a:rPr lang="en-CA" smtClean="0"/>
-              <a:t>13-12-05</a:t>
+              <a:t>13-12-06</a:t>
             </a:fld>
             <a:endParaRPr lang="en-US"/>
           </a:p>
@@ -11749,7 +11749,7 @@
           <a:p>
             <a:fld id="{7EB4D2C2-A1BD-E14E-9DF4-4BB035F5CDC5}" type="datetime1">
               <a:rPr lang="en-CA" smtClean="0"/>
-              <a:t>13-12-05</a:t>
+              <a:t>13-12-06</a:t>
             </a:fld>
             <a:endParaRPr lang="en-US"/>
           </a:p>
@@ -12199,7 +12199,7 @@
           <a:p>
             <a:fld id="{389AE256-8E6F-184C-A5A7-2798383977F6}" type="datetime1">
               <a:rPr lang="en-CA" smtClean="0"/>
-              <a:t>13-12-05</a:t>
+              <a:t>13-12-06</a:t>
             </a:fld>
             <a:endParaRPr lang="en-US"/>
           </a:p>
@@ -12719,7 +12719,7 @@
           <a:p>
             <a:fld id="{71C99C19-4D02-6448-BA83-EC29B91BDACE}" type="datetime1">
               <a:rPr lang="en-CA" smtClean="0"/>
-              <a:t>13-12-05</a:t>
+              <a:t>13-12-06</a:t>
             </a:fld>
             <a:endParaRPr lang="en-US"/>
           </a:p>
@@ -13439,7 +13439,7 @@
           <a:p>
             <a:fld id="{0CEED79C-31F3-9941-8CBD-7976728C85C9}" type="datetime1">
               <a:rPr lang="en-CA" smtClean="0"/>
-              <a:t>13-12-05</a:t>
+              <a:t>13-12-06</a:t>
             </a:fld>
             <a:endParaRPr lang="en-US"/>
           </a:p>
@@ -13785,7 +13785,7 @@
           <a:p>
             <a:fld id="{40D73F62-6C1D-C547-96C7-876D8B69E371}" type="datetime1">
               <a:rPr lang="en-CA" smtClean="0"/>
-              <a:t>13-12-05</a:t>
+              <a:t>13-12-06</a:t>
             </a:fld>
             <a:endParaRPr lang="en-US"/>
           </a:p>
@@ -14054,7 +14054,7 @@
           <a:p>
             <a:fld id="{68707B61-9493-A347-9FDA-F7B7A70EFFA8}" type="datetime1">
               <a:rPr lang="en-CA" smtClean="0"/>
-              <a:t>13-12-05</a:t>
+              <a:t>13-12-06</a:t>
             </a:fld>
             <a:endParaRPr lang="en-US"/>
           </a:p>
@@ -14611,7 +14611,7 @@
           <a:p>
             <a:fld id="{CF7E3BC3-59DC-FD42-8922-A11F177E3C06}" type="datetime1">
               <a:rPr lang="en-CA" smtClean="0"/>
-              <a:t>13-12-05</a:t>
+              <a:t>13-12-06</a:t>
             </a:fld>
             <a:endParaRPr lang="en-US"/>
           </a:p>
@@ -14821,7 +14821,7 @@
           <a:p>
             <a:fld id="{2506CB65-8BC1-0642-9901-B52256FE3C12}" type="datetime1">
               <a:rPr lang="en-CA" smtClean="0"/>
-              <a:t>13-12-05</a:t>
+              <a:t>13-12-06</a:t>
             </a:fld>
             <a:endParaRPr lang="en-US"/>
           </a:p>
